--- a/EECE5554_Design_Project.pptx
+++ b/EECE5554_Design_Project.pptx
@@ -173,6 +173,50 @@
 </p:cmAuthorLst>
 </file>
 
+<file path=ppt/changesInfos/changesInfo1.xml><?xml version="1.0" encoding="utf-8"?>
+<pc:chgInfo xmlns:a="http://schemas.openxmlformats.org/drawingml/2006/main" xmlns:r="http://schemas.openxmlformats.org/officeDocument/2006/relationships" xmlns:ac="http://schemas.microsoft.com/office/drawing/2013/main/command" xmlns:pc="http://schemas.microsoft.com/office/powerpoint/2013/main/command">
+  <pc:docChgLst>
+    <pc:chgData name="Rishabh Gyanshankar Shukla" userId="c8504f46-01ca-4795-a678-7694574c28db" providerId="ADAL" clId="{CA758B71-6C83-41CB-926B-B285C506833C}"/>
+    <pc:docChg chg="modSld">
+      <pc:chgData name="Rishabh Gyanshankar Shukla" userId="c8504f46-01ca-4795-a678-7694574c28db" providerId="ADAL" clId="{CA758B71-6C83-41CB-926B-B285C506833C}" dt="2020-03-19T23:00:32.104" v="742" actId="20577"/>
+      <pc:docMkLst>
+        <pc:docMk/>
+      </pc:docMkLst>
+      <pc:sldChg chg="modSp">
+        <pc:chgData name="Rishabh Gyanshankar Shukla" userId="c8504f46-01ca-4795-a678-7694574c28db" providerId="ADAL" clId="{CA758B71-6C83-41CB-926B-B285C506833C}" dt="2020-03-19T23:00:32.104" v="742" actId="20577"/>
+        <pc:sldMkLst>
+          <pc:docMk/>
+          <pc:sldMk cId="3319945005" sldId="289"/>
+        </pc:sldMkLst>
+        <pc:spChg chg="mod">
+          <ac:chgData name="Rishabh Gyanshankar Shukla" userId="c8504f46-01ca-4795-a678-7694574c28db" providerId="ADAL" clId="{CA758B71-6C83-41CB-926B-B285C506833C}" dt="2020-03-19T23:00:32.104" v="742" actId="20577"/>
+          <ac:spMkLst>
+            <pc:docMk/>
+            <pc:sldMk cId="3319945005" sldId="289"/>
+            <ac:spMk id="4" creationId="{44B6E5FD-B9B9-C249-AD24-19C0CC13A246}"/>
+          </ac:spMkLst>
+        </pc:spChg>
+      </pc:sldChg>
+      <pc:sldChg chg="modSp">
+        <pc:chgData name="Rishabh Gyanshankar Shukla" userId="c8504f46-01ca-4795-a678-7694574c28db" providerId="ADAL" clId="{CA758B71-6C83-41CB-926B-B285C506833C}" dt="2020-03-19T22:57:59.305" v="461" actId="20577"/>
+        <pc:sldMkLst>
+          <pc:docMk/>
+          <pc:sldMk cId="1307660365" sldId="290"/>
+        </pc:sldMkLst>
+        <pc:spChg chg="mod">
+          <ac:chgData name="Rishabh Gyanshankar Shukla" userId="c8504f46-01ca-4795-a678-7694574c28db" providerId="ADAL" clId="{CA758B71-6C83-41CB-926B-B285C506833C}" dt="2020-03-19T22:57:59.305" v="461" actId="20577"/>
+          <ac:spMkLst>
+            <pc:docMk/>
+            <pc:sldMk cId="1307660365" sldId="290"/>
+            <ac:spMk id="4" creationId="{44B6E5FD-B9B9-C249-AD24-19C0CC13A246}"/>
+          </ac:spMkLst>
+        </pc:spChg>
+      </pc:sldChg>
+    </pc:docChg>
+  </pc:docChgLst>
+</pc:chgInfo>
+</file>
+
 <file path=ppt/notesMasters/notesMaster1.xml><?xml version="1.0" encoding="utf-8"?>
 <p:notesMaster xmlns:a="http://schemas.openxmlformats.org/drawingml/2006/main" xmlns:r="http://schemas.openxmlformats.org/officeDocument/2006/relationships" xmlns:p="http://schemas.openxmlformats.org/presentationml/2006/main">
   <p:cSld>
@@ -255,7 +299,7 @@
           <a:p>
             <a:fld id="{FB67E610-DBB5-964A-A213-D459E2805448}" type="datetimeFigureOut">
               <a:rPr lang="en-US" smtClean="0"/>
-              <a:t>3/14/20</a:t>
+              <a:t>19/03/2020</a:t>
             </a:fld>
             <a:endParaRPr lang="en-US"/>
           </a:p>
@@ -1001,14 +1045,14 @@
           </a:ln>
           <a:extLst>
             <a:ext uri="{909E8E84-426E-40dd-AFC4-6F175D3DCCD1}">
-              <a14:hiddenFill xmlns:a14="http://schemas.microsoft.com/office/drawing/2010/main" xmlns="">
+              <a14:hiddenFill xmlns="" xmlns:a14="http://schemas.microsoft.com/office/drawing/2010/main">
                 <a:solidFill>
                   <a:srgbClr val="FFFFFF"/>
                 </a:solidFill>
               </a14:hiddenFill>
             </a:ext>
             <a:ext uri="{91240B29-F687-4f45-9708-019B960494DF}">
-              <a14:hiddenLine xmlns:a14="http://schemas.microsoft.com/office/drawing/2010/main" xmlns="" w="9525">
+              <a14:hiddenLine xmlns="" xmlns:a14="http://schemas.microsoft.com/office/drawing/2010/main" w="9525">
                 <a:solidFill>
                   <a:srgbClr val="000000"/>
                 </a:solidFill>
@@ -1226,14 +1270,14 @@
           </a:ln>
           <a:extLst>
             <a:ext uri="{909E8E84-426E-40dd-AFC4-6F175D3DCCD1}">
-              <a14:hiddenFill xmlns:a14="http://schemas.microsoft.com/office/drawing/2010/main" xmlns="">
+              <a14:hiddenFill xmlns="" xmlns:a14="http://schemas.microsoft.com/office/drawing/2010/main">
                 <a:solidFill>
                   <a:srgbClr val="FFFFFF"/>
                 </a:solidFill>
               </a14:hiddenFill>
             </a:ext>
             <a:ext uri="{91240B29-F687-4f45-9708-019B960494DF}">
-              <a14:hiddenLine xmlns:a14="http://schemas.microsoft.com/office/drawing/2010/main" xmlns="" w="9525">
+              <a14:hiddenLine xmlns="" xmlns:a14="http://schemas.microsoft.com/office/drawing/2010/main" w="9525">
                 <a:solidFill>
                   <a:srgbClr val="000000"/>
                 </a:solidFill>
@@ -1397,7 +1441,7 @@
             <a:fld id="{79279E35-9C39-41A3-B9D2-5278FD6D8DDC}" type="datetimeFigureOut">
               <a:rPr lang="en-US" altLang="en-US"/>
               <a:pPr/>
-              <a:t>3/14/20</a:t>
+              <a:t>19/03/2020</a:t>
             </a:fld>
             <a:endParaRPr lang="en-US" altLang="en-US"/>
           </a:p>
@@ -1761,7 +1805,7 @@
             <a:fld id="{BF458AF3-BD15-4BFB-A60F-262C4444305D}" type="datetimeFigureOut">
               <a:rPr lang="en-US" altLang="en-US"/>
               <a:pPr/>
-              <a:t>3/14/20</a:t>
+              <a:t>19/03/2020</a:t>
             </a:fld>
             <a:endParaRPr lang="en-US" altLang="en-US"/>
           </a:p>
@@ -2044,7 +2088,7 @@
             <a:fld id="{4E4E1B3A-F39C-4D4C-AF0D-7BF0EBF1902C}" type="datetimeFigureOut">
               <a:rPr lang="en-US" altLang="en-US"/>
               <a:pPr/>
-              <a:t>3/14/20</a:t>
+              <a:t>19/03/2020</a:t>
             </a:fld>
             <a:endParaRPr lang="en-US" altLang="en-US"/>
           </a:p>
@@ -2375,7 +2419,7 @@
             <a:fld id="{11EB6960-3233-4EAA-8FC5-02B034967A69}" type="datetimeFigureOut">
               <a:rPr lang="en-US" altLang="en-US"/>
               <a:pPr/>
-              <a:t>3/14/20</a:t>
+              <a:t>19/03/2020</a:t>
             </a:fld>
             <a:endParaRPr lang="en-US" altLang="en-US"/>
           </a:p>
@@ -2837,7 +2881,7 @@
             <a:fld id="{E187BA0A-8D26-4FB9-BFB6-61C76F975855}" type="datetimeFigureOut">
               <a:rPr lang="en-US" altLang="en-US"/>
               <a:pPr/>
-              <a:t>3/14/20</a:t>
+              <a:t>19/03/2020</a:t>
             </a:fld>
             <a:endParaRPr lang="en-US" altLang="en-US"/>
           </a:p>
@@ -3003,7 +3047,7 @@
             <a:fld id="{03AC124E-09A9-42FF-9A8C-8BCA62660993}" type="datetimeFigureOut">
               <a:rPr lang="en-US" altLang="en-US"/>
               <a:pPr/>
-              <a:t>3/14/20</a:t>
+              <a:t>19/03/2020</a:t>
             </a:fld>
             <a:endParaRPr lang="en-US" altLang="en-US"/>
           </a:p>
@@ -3133,7 +3177,7 @@
             <a:fld id="{E4803E2A-D4C0-49FB-A4B7-C3A8CF9033CC}" type="datetimeFigureOut">
               <a:rPr lang="en-US" altLang="en-US"/>
               <a:pPr/>
-              <a:t>3/14/20</a:t>
+              <a:t>19/03/2020</a:t>
             </a:fld>
             <a:endParaRPr lang="en-US" altLang="en-US"/>
           </a:p>
@@ -3446,7 +3490,7 @@
             <a:fld id="{018C8D68-1076-49DE-A007-41D011960D8A}" type="datetimeFigureOut">
               <a:rPr lang="en-US" altLang="en-US"/>
               <a:pPr/>
-              <a:t>3/14/20</a:t>
+              <a:t>19/03/2020</a:t>
             </a:fld>
             <a:endParaRPr lang="en-US" altLang="en-US"/>
           </a:p>
@@ -3742,7 +3786,7 @@
             <a:fld id="{05E9DDD0-ED68-4B58-8EE7-EAAD76738E86}" type="datetimeFigureOut">
               <a:rPr lang="en-US" altLang="en-US"/>
               <a:pPr/>
-              <a:t>3/14/20</a:t>
+              <a:t>19/03/2020</a:t>
             </a:fld>
             <a:endParaRPr lang="en-US" altLang="en-US"/>
           </a:p>
@@ -3989,7 +4033,7 @@
             <a:fld id="{AB3985E2-B91B-43B4-A7C6-C571D16267EB}" type="datetimeFigureOut">
               <a:rPr lang="en-US" altLang="en-US"/>
               <a:pPr/>
-              <a:t>3/14/20</a:t>
+              <a:t>19/03/2020</a:t>
             </a:fld>
             <a:endParaRPr lang="en-US" altLang="en-US"/>
           </a:p>
@@ -5188,14 +5232,35 @@
           <a:p>
             <a:r>
               <a:rPr lang="en-US" sz="2400" dirty="0"/>
-              <a:t>Implement on Toyota HSR</a:t>
-            </a:r>
-          </a:p>
-          <a:p>
+              <a:t>Implement on Toyota HSR Lidar point cloud data. We will utilize the published </a:t>
+            </a:r>
+            <a:r>
+              <a:rPr lang="en-US" sz="2400" dirty="0" err="1"/>
+              <a:t>rostopic</a:t>
+            </a:r>
             <a:r>
               <a:rPr lang="en-US" sz="2400" dirty="0"/>
-              <a:t>Utilize cell phone stereo camera and software to generate point clouds and perform classification using ROS (sounds a little too hard)</a:t>
-            </a:r>
+              <a:t> data along the </a:t>
+            </a:r>
+            <a:r>
+              <a:rPr lang="en-US" sz="2400" dirty="0" err="1"/>
+              <a:t>LaserScan</a:t>
+            </a:r>
+            <a:r>
+              <a:rPr lang="en-US" sz="2400" dirty="0"/>
+              <a:t> topic to capture the point cloud data and run the trained model over this point cloud.</a:t>
+            </a:r>
+          </a:p>
+          <a:p>
+            <a:r>
+              <a:rPr lang="en-US" sz="2400" dirty="0"/>
+              <a:t>Try implementing the whole pipeline in C++ and evaluate </a:t>
+            </a:r>
+            <a:r>
+              <a:rPr lang="en-US" sz="2400"/>
+              <a:t>the performance metrics.</a:t>
+            </a:r>
+            <a:endParaRPr lang="en-US" sz="2400" dirty="0"/>
           </a:p>
         </p:txBody>
       </p:sp>
@@ -5304,10 +5369,50 @@
               <a:rPr lang="en-US" sz="2400" dirty="0" err="1"/>
               <a:t>PyTorch</a:t>
             </a:r>
+            <a:endParaRPr lang="en-US" sz="2400" dirty="0"/>
+          </a:p>
+          <a:p>
             <a:r>
               <a:rPr lang="en-US" sz="2400" dirty="0"/>
-              <a:t> </a:t>
-            </a:r>
+              <a:t>Train Pytorch on Lyft Level 5 Dataset / </a:t>
+            </a:r>
+            <a:r>
+              <a:rPr lang="en-US" sz="2400" dirty="0" err="1"/>
+              <a:t>nuScenes</a:t>
+            </a:r>
+            <a:r>
+              <a:rPr lang="en-US" sz="2400" dirty="0"/>
+              <a:t> dataset</a:t>
+            </a:r>
+          </a:p>
+          <a:p>
+            <a:r>
+              <a:rPr lang="en-US" sz="2400" dirty="0"/>
+              <a:t>Benchmark testing results with the </a:t>
+            </a:r>
+            <a:r>
+              <a:rPr lang="en-US" sz="2400" dirty="0" err="1"/>
+              <a:t>tensorflow</a:t>
+            </a:r>
+            <a:r>
+              <a:rPr lang="en-US" sz="2400" dirty="0"/>
+              <a:t> implementation.</a:t>
+            </a:r>
+          </a:p>
+          <a:p>
+            <a:r>
+              <a:rPr lang="en-US" sz="2400" dirty="0"/>
+              <a:t>Benchmark results with our modifications over the original implementation</a:t>
+            </a:r>
+          </a:p>
+          <a:p>
+            <a:r>
+              <a:rPr lang="en-US" sz="2400" dirty="0"/>
+              <a:t>Implement the trained model on a different point cloud data like the one recorded from HSR and evaluate the predictions.</a:t>
+            </a:r>
+          </a:p>
+          <a:p>
+            <a:endParaRPr lang="en-US" sz="2400" dirty="0"/>
           </a:p>
         </p:txBody>
       </p:sp>
